--- a/lectures/lecture_15/Lecture_15_Generating Models.pptx
+++ b/lectures/lecture_15/Lecture_15_Generating Models.pptx
@@ -5,15 +5,16 @@
     <p:sldMasterId id="2147483648" r:id="rId1"/>
   </p:sldMasterIdLst>
   <p:notesMasterIdLst>
-    <p:notesMasterId r:id="rId5"/>
+    <p:notesMasterId r:id="rId6"/>
   </p:notesMasterIdLst>
   <p:handoutMasterIdLst>
-    <p:handoutMasterId r:id="rId6"/>
+    <p:handoutMasterId r:id="rId7"/>
   </p:handoutMasterIdLst>
   <p:sldIdLst>
     <p:sldId id="347" r:id="rId2"/>
     <p:sldId id="363" r:id="rId3"/>
     <p:sldId id="364" r:id="rId4"/>
+    <p:sldId id="365" r:id="rId5"/>
   </p:sldIdLst>
   <p:sldSz cx="9144000" cy="6858000" type="screen4x3"/>
   <p:notesSz cx="6858000" cy="9144000"/>
@@ -150,6 +151,7 @@
             <p14:sldId id="347"/>
             <p14:sldId id="363"/>
             <p14:sldId id="364"/>
+            <p14:sldId id="365"/>
           </p14:sldIdLst>
         </p14:section>
       </p14:sectionLst>
@@ -5314,13 +5316,8 @@
           <a:p>
             <a:r>
               <a:rPr lang="en-US" dirty="0"/>
-              <a:t>Code </a:t>
-            </a:r>
-            <a:r>
-              <a:rPr lang="en-US"/>
-              <a:t>in notebook</a:t>
-            </a:r>
-            <a:endParaRPr lang="en-US" dirty="0"/>
+              <a:t>Code in notebook</a:t>
+            </a:r>
           </a:p>
         </p:txBody>
       </p:sp>
@@ -5363,6 +5360,127 @@
     <p:extLst>
       <p:ext uri="{BB962C8B-B14F-4D97-AF65-F5344CB8AC3E}">
         <p14:creationId xmlns:p14="http://schemas.microsoft.com/office/powerpoint/2010/main" val="1424693505"/>
+      </p:ext>
+    </p:extLst>
+  </p:cSld>
+  <p:clrMapOvr>
+    <a:masterClrMapping/>
+  </p:clrMapOvr>
+</p:sld>
+</file>
+
+<file path=ppt/slides/slide4.xml><?xml version="1.0" encoding="utf-8"?>
+<p:sld xmlns:a="http://schemas.openxmlformats.org/drawingml/2006/main" xmlns:r="http://schemas.openxmlformats.org/officeDocument/2006/relationships" xmlns:p="http://schemas.openxmlformats.org/presentationml/2006/main">
+  <p:cSld>
+    <p:spTree>
+      <p:nvGrpSpPr>
+        <p:cNvPr id="1" name=""/>
+        <p:cNvGrpSpPr/>
+        <p:nvPr/>
+      </p:nvGrpSpPr>
+      <p:grpSpPr>
+        <a:xfrm>
+          <a:off x="0" y="0"/>
+          <a:ext cx="0" cy="0"/>
+          <a:chOff x="0" y="0"/>
+          <a:chExt cx="0" cy="0"/>
+        </a:xfrm>
+      </p:grpSpPr>
+      <p:sp>
+        <p:nvSpPr>
+          <p:cNvPr id="2" name="Title 1">
+            <a:extLst>
+              <a:ext uri="{FF2B5EF4-FFF2-40B4-BE49-F238E27FC236}">
+                <a16:creationId xmlns:a16="http://schemas.microsoft.com/office/drawing/2014/main" id="{3EBDC7A8-61C0-A84B-B5B6-252D4449A6B3}"/>
+              </a:ext>
+            </a:extLst>
+          </p:cNvPr>
+          <p:cNvSpPr>
+            <a:spLocks noGrp="1"/>
+          </p:cNvSpPr>
+          <p:nvPr>
+            <p:ph type="title"/>
+          </p:nvPr>
+        </p:nvSpPr>
+        <p:spPr/>
+        <p:txBody>
+          <a:bodyPr/>
+          <a:lstStyle/>
+          <a:p>
+            <a:r>
+              <a:rPr lang="en-US" dirty="0"/>
+              <a:t>Example</a:t>
+            </a:r>
+          </a:p>
+        </p:txBody>
+      </p:sp>
+      <p:sp>
+        <p:nvSpPr>
+          <p:cNvPr id="3" name="Content Placeholder 2">
+            <a:extLst>
+              <a:ext uri="{FF2B5EF4-FFF2-40B4-BE49-F238E27FC236}">
+                <a16:creationId xmlns:a16="http://schemas.microsoft.com/office/drawing/2014/main" id="{A6BAC94B-9EF2-9945-8598-41B7D98C4114}"/>
+              </a:ext>
+            </a:extLst>
+          </p:cNvPr>
+          <p:cNvSpPr>
+            <a:spLocks noGrp="1"/>
+          </p:cNvSpPr>
+          <p:nvPr>
+            <p:ph idx="1"/>
+          </p:nvPr>
+        </p:nvSpPr>
+        <p:spPr/>
+        <p:txBody>
+          <a:bodyPr/>
+          <a:lstStyle/>
+          <a:p>
+            <a:r>
+              <a:rPr lang="en-US" dirty="0"/>
+              <a:t>Generating a random model for a given set of chemical species and the boundary species</a:t>
+            </a:r>
+          </a:p>
+        </p:txBody>
+      </p:sp>
+      <p:sp>
+        <p:nvSpPr>
+          <p:cNvPr id="4" name="Slide Number Placeholder 3">
+            <a:extLst>
+              <a:ext uri="{FF2B5EF4-FFF2-40B4-BE49-F238E27FC236}">
+                <a16:creationId xmlns:a16="http://schemas.microsoft.com/office/drawing/2014/main" id="{D8CF38CA-5200-0D48-B5C6-96313E2315D1}"/>
+              </a:ext>
+            </a:extLst>
+          </p:cNvPr>
+          <p:cNvSpPr>
+            <a:spLocks noGrp="1"/>
+          </p:cNvSpPr>
+          <p:nvPr>
+            <p:ph type="sldNum" sz="quarter" idx="11"/>
+          </p:nvPr>
+        </p:nvSpPr>
+        <p:spPr/>
+        <p:txBody>
+          <a:bodyPr/>
+          <a:lstStyle/>
+          <a:p>
+            <a:pPr>
+              <a:defRPr/>
+            </a:pPr>
+            <a:fld id="{3EF4E9CC-9D91-476E-91FD-5BEEC1642931}" type="slidenum">
+              <a:rPr lang="en-US" altLang="x-none" smtClean="0"/>
+              <a:pPr>
+                <a:defRPr/>
+              </a:pPr>
+              <a:t>4</a:t>
+            </a:fld>
+            <a:endParaRPr lang="en-US" altLang="x-none"/>
+          </a:p>
+        </p:txBody>
+      </p:sp>
+    </p:spTree>
+    <p:extLst>
+      <p:ext uri="{BB962C8B-B14F-4D97-AF65-F5344CB8AC3E}">
+        <p14:creationId xmlns:p14="http://schemas.microsoft.com/office/powerpoint/2010/main" val="1884205103"/>
       </p:ext>
     </p:extLst>
   </p:cSld>
